--- a/telas.pptx
+++ b/telas.pptx
@@ -109,6 +109,11 @@
       </a:defRPr>
     </a:lvl9pPr>
   </p:defaultTextStyle>
+  <p:extLst>
+    <p:ext uri="{EFAFB233-063F-42B5-8137-9DF3F51BA10A}">
+      <p15:sldGuideLst xmlns:p15="http://schemas.microsoft.com/office/powerpoint/2012/main"/>
+    </p:ext>
+  </p:extLst>
 </p:presentation>
 </file>
 
@@ -259,7 +264,7 @@
           <a:p>
             <a:fld id="{FB282984-01D5-4545-97F7-E006851509DF}" type="datetimeFigureOut">
               <a:rPr lang="en-US" smtClean="0"/>
-              <a:t>10/5/2022</a:t>
+              <a:t>10/6/2022</a:t>
             </a:fld>
             <a:endParaRPr lang="en-US"/>
           </a:p>
@@ -457,7 +462,7 @@
           <a:p>
             <a:fld id="{FB282984-01D5-4545-97F7-E006851509DF}" type="datetimeFigureOut">
               <a:rPr lang="en-US" smtClean="0"/>
-              <a:t>10/5/2022</a:t>
+              <a:t>10/6/2022</a:t>
             </a:fld>
             <a:endParaRPr lang="en-US"/>
           </a:p>
@@ -665,7 +670,7 @@
           <a:p>
             <a:fld id="{FB282984-01D5-4545-97F7-E006851509DF}" type="datetimeFigureOut">
               <a:rPr lang="en-US" smtClean="0"/>
-              <a:t>10/5/2022</a:t>
+              <a:t>10/6/2022</a:t>
             </a:fld>
             <a:endParaRPr lang="en-US"/>
           </a:p>
@@ -863,7 +868,7 @@
           <a:p>
             <a:fld id="{FB282984-01D5-4545-97F7-E006851509DF}" type="datetimeFigureOut">
               <a:rPr lang="en-US" smtClean="0"/>
-              <a:t>10/5/2022</a:t>
+              <a:t>10/6/2022</a:t>
             </a:fld>
             <a:endParaRPr lang="en-US"/>
           </a:p>
@@ -1138,7 +1143,7 @@
           <a:p>
             <a:fld id="{FB282984-01D5-4545-97F7-E006851509DF}" type="datetimeFigureOut">
               <a:rPr lang="en-US" smtClean="0"/>
-              <a:t>10/5/2022</a:t>
+              <a:t>10/6/2022</a:t>
             </a:fld>
             <a:endParaRPr lang="en-US"/>
           </a:p>
@@ -1403,7 +1408,7 @@
           <a:p>
             <a:fld id="{FB282984-01D5-4545-97F7-E006851509DF}" type="datetimeFigureOut">
               <a:rPr lang="en-US" smtClean="0"/>
-              <a:t>10/5/2022</a:t>
+              <a:t>10/6/2022</a:t>
             </a:fld>
             <a:endParaRPr lang="en-US"/>
           </a:p>
@@ -1815,7 +1820,7 @@
           <a:p>
             <a:fld id="{FB282984-01D5-4545-97F7-E006851509DF}" type="datetimeFigureOut">
               <a:rPr lang="en-US" smtClean="0"/>
-              <a:t>10/5/2022</a:t>
+              <a:t>10/6/2022</a:t>
             </a:fld>
             <a:endParaRPr lang="en-US"/>
           </a:p>
@@ -1956,7 +1961,7 @@
           <a:p>
             <a:fld id="{FB282984-01D5-4545-97F7-E006851509DF}" type="datetimeFigureOut">
               <a:rPr lang="en-US" smtClean="0"/>
-              <a:t>10/5/2022</a:t>
+              <a:t>10/6/2022</a:t>
             </a:fld>
             <a:endParaRPr lang="en-US"/>
           </a:p>
@@ -2069,7 +2074,7 @@
           <a:p>
             <a:fld id="{FB282984-01D5-4545-97F7-E006851509DF}" type="datetimeFigureOut">
               <a:rPr lang="en-US" smtClean="0"/>
-              <a:t>10/5/2022</a:t>
+              <a:t>10/6/2022</a:t>
             </a:fld>
             <a:endParaRPr lang="en-US"/>
           </a:p>
@@ -2380,7 +2385,7 @@
           <a:p>
             <a:fld id="{FB282984-01D5-4545-97F7-E006851509DF}" type="datetimeFigureOut">
               <a:rPr lang="en-US" smtClean="0"/>
-              <a:t>10/5/2022</a:t>
+              <a:t>10/6/2022</a:t>
             </a:fld>
             <a:endParaRPr lang="en-US"/>
           </a:p>
@@ -2668,7 +2673,7 @@
           <a:p>
             <a:fld id="{FB282984-01D5-4545-97F7-E006851509DF}" type="datetimeFigureOut">
               <a:rPr lang="en-US" smtClean="0"/>
-              <a:t>10/5/2022</a:t>
+              <a:t>10/6/2022</a:t>
             </a:fld>
             <a:endParaRPr lang="en-US"/>
           </a:p>
@@ -2909,7 +2914,7 @@
           <a:p>
             <a:fld id="{FB282984-01D5-4545-97F7-E006851509DF}" type="datetimeFigureOut">
               <a:rPr lang="en-US" smtClean="0"/>
-              <a:t>10/5/2022</a:t>
+              <a:t>10/6/2022</a:t>
             </a:fld>
             <a:endParaRPr lang="en-US"/>
           </a:p>
@@ -3457,7 +3462,7 @@
         <p:spPr>
           <a:xfrm>
             <a:off x="9245600" y="772995"/>
-            <a:ext cx="2906630" cy="2308324"/>
+            <a:ext cx="2906950" cy="2308324"/>
           </a:xfrm>
           <a:prstGeom prst="rect">
             <a:avLst/>
@@ -3550,105 +3555,201 @@
             </a:r>
             <a:r>
               <a:rPr lang="en-US" dirty="0"/>
-              <a:t> e </a:t>
-            </a:r>
-            <a:r>
-              <a:rPr lang="en-US" dirty="0" err="1"/>
+              <a:t> e</a:t>
+            </a:r>
+            <a:r>
+              <a:rPr lang="en-US" strike="sngStrike" dirty="0"/>
+              <a:t> </a:t>
+            </a:r>
+            <a:r>
+              <a:rPr lang="en-US" strike="sngStrike" dirty="0" err="1">
+                <a:highlight>
+                  <a:srgbClr val="00FF00"/>
+                </a:highlight>
+              </a:rPr>
               <a:t>dar</a:t>
             </a:r>
             <a:r>
-              <a:rPr lang="en-US" dirty="0"/>
+              <a:rPr lang="en-US" strike="sngStrike" dirty="0">
+                <a:highlight>
+                  <a:srgbClr val="00FF00"/>
+                </a:highlight>
+              </a:rPr>
               <a:t> </a:t>
             </a:r>
           </a:p>
           <a:p>
             <a:r>
-              <a:rPr lang="en-US" dirty="0" err="1"/>
+              <a:rPr lang="en-US" strike="sngStrike" dirty="0" err="1">
+                <a:highlight>
+                  <a:srgbClr val="00FF00"/>
+                </a:highlight>
+              </a:rPr>
               <a:t>mensagem</a:t>
             </a:r>
             <a:r>
-              <a:rPr lang="en-US" dirty="0"/>
+              <a:rPr lang="en-US" strike="sngStrike" dirty="0">
+                <a:highlight>
+                  <a:srgbClr val="00FF00"/>
+                </a:highlight>
+              </a:rPr>
               <a:t> de </a:t>
             </a:r>
             <a:r>
-              <a:rPr lang="en-US" dirty="0" err="1"/>
+              <a:rPr lang="en-US" strike="sngStrike" dirty="0" err="1">
+                <a:highlight>
+                  <a:srgbClr val="00FF00"/>
+                </a:highlight>
+              </a:rPr>
               <a:t>erro</a:t>
             </a:r>
             <a:r>
-              <a:rPr lang="en-US" dirty="0"/>
+              <a:rPr lang="en-US" strike="sngStrike" dirty="0">
+                <a:highlight>
+                  <a:srgbClr val="00FF00"/>
+                </a:highlight>
+              </a:rPr>
               <a:t>.</a:t>
             </a:r>
           </a:p>
           <a:p>
             <a:r>
-              <a:rPr lang="en-US" dirty="0"/>
+              <a:rPr lang="en-US" strike="sngStrike" dirty="0">
+                <a:highlight>
+                  <a:srgbClr val="00FF00"/>
+                </a:highlight>
+              </a:rPr>
               <a:t>-</a:t>
             </a:r>
             <a:r>
-              <a:rPr lang="en-US" dirty="0" err="1"/>
+              <a:rPr lang="en-US" strike="sngStrike" dirty="0" err="1">
+                <a:highlight>
+                  <a:srgbClr val="00FF00"/>
+                </a:highlight>
+              </a:rPr>
               <a:t>Atualizar</a:t>
             </a:r>
             <a:r>
-              <a:rPr lang="en-US" dirty="0"/>
+              <a:rPr lang="en-US" strike="sngStrike" dirty="0">
+                <a:highlight>
+                  <a:srgbClr val="00FF00"/>
+                </a:highlight>
+              </a:rPr>
               <a:t> a </a:t>
             </a:r>
             <a:r>
-              <a:rPr lang="en-US" dirty="0" err="1"/>
+              <a:rPr lang="en-US" strike="sngStrike" dirty="0" err="1">
+                <a:highlight>
+                  <a:srgbClr val="00FF00"/>
+                </a:highlight>
+              </a:rPr>
               <a:t>lista</a:t>
             </a:r>
             <a:r>
-              <a:rPr lang="en-US" dirty="0"/>
+              <a:rPr lang="en-US" strike="sngStrike" dirty="0">
+                <a:highlight>
+                  <a:srgbClr val="00FF00"/>
+                </a:highlight>
+              </a:rPr>
               <a:t> sempre que</a:t>
             </a:r>
           </a:p>
           <a:p>
             <a:r>
-              <a:rPr lang="en-US" dirty="0" err="1"/>
+              <a:rPr lang="en-US" strike="sngStrike" dirty="0" err="1">
+                <a:highlight>
+                  <a:srgbClr val="00FF00"/>
+                </a:highlight>
+              </a:rPr>
               <a:t>salvar</a:t>
             </a:r>
             <a:r>
-              <a:rPr lang="en-US" dirty="0"/>
+              <a:rPr lang="en-US" strike="sngStrike" dirty="0">
+                <a:highlight>
+                  <a:srgbClr val="00FF00"/>
+                </a:highlight>
+              </a:rPr>
               <a:t> um novo </a:t>
             </a:r>
             <a:r>
-              <a:rPr lang="en-US" dirty="0" err="1"/>
+              <a:rPr lang="en-US" strike="sngStrike" dirty="0" err="1">
+                <a:highlight>
+                  <a:srgbClr val="00FF00"/>
+                </a:highlight>
+              </a:rPr>
               <a:t>autor</a:t>
             </a:r>
             <a:r>
-              <a:rPr lang="en-US" dirty="0"/>
+              <a:rPr lang="en-US" strike="sngStrike" dirty="0">
+                <a:highlight>
+                  <a:srgbClr val="00FF00"/>
+                </a:highlight>
+              </a:rPr>
               <a:t>,</a:t>
             </a:r>
           </a:p>
           <a:p>
             <a:r>
-              <a:rPr lang="en-US" dirty="0" err="1"/>
+              <a:rPr lang="en-US" strike="sngStrike" dirty="0" err="1">
+                <a:highlight>
+                  <a:srgbClr val="00FF00"/>
+                </a:highlight>
+              </a:rPr>
               <a:t>sem</a:t>
             </a:r>
             <a:r>
-              <a:rPr lang="en-US" dirty="0"/>
+              <a:rPr lang="en-US" strike="sngStrike" dirty="0">
+                <a:highlight>
+                  <a:srgbClr val="00FF00"/>
+                </a:highlight>
+              </a:rPr>
               <a:t> </a:t>
             </a:r>
             <a:r>
-              <a:rPr lang="en-US" dirty="0" err="1"/>
+              <a:rPr lang="en-US" strike="sngStrike" dirty="0" err="1">
+                <a:highlight>
+                  <a:srgbClr val="00FF00"/>
+                </a:highlight>
+              </a:rPr>
               <a:t>precisar</a:t>
             </a:r>
             <a:r>
-              <a:rPr lang="en-US" dirty="0"/>
+              <a:rPr lang="en-US" strike="sngStrike" dirty="0">
+                <a:highlight>
+                  <a:srgbClr val="00FF00"/>
+                </a:highlight>
+              </a:rPr>
               <a:t> </a:t>
             </a:r>
             <a:r>
-              <a:rPr lang="en-US" dirty="0" err="1"/>
+              <a:rPr lang="en-US" strike="sngStrike" dirty="0" err="1">
+                <a:highlight>
+                  <a:srgbClr val="00FF00"/>
+                </a:highlight>
+              </a:rPr>
               <a:t>reabrir</a:t>
             </a:r>
             <a:r>
-              <a:rPr lang="en-US" dirty="0"/>
+              <a:rPr lang="en-US" strike="sngStrike" dirty="0">
+                <a:highlight>
+                  <a:srgbClr val="00FF00"/>
+                </a:highlight>
+              </a:rPr>
               <a:t> a </a:t>
             </a:r>
             <a:r>
-              <a:rPr lang="en-US" dirty="0" err="1"/>
+              <a:rPr lang="en-US" strike="sngStrike" dirty="0" err="1">
+                <a:highlight>
+                  <a:srgbClr val="00FF00"/>
+                </a:highlight>
+              </a:rPr>
               <a:t>página</a:t>
             </a:r>
-            <a:endParaRPr lang="en-US" dirty="0"/>
+            <a:endParaRPr lang="en-US" strike="sngStrike" dirty="0">
+              <a:highlight>
+                <a:srgbClr val="00FF00"/>
+              </a:highlight>
+            </a:endParaRPr>
           </a:p>
         </p:txBody>
       </p:sp>
@@ -3791,7 +3892,7 @@
         <p:spPr>
           <a:xfrm>
             <a:off x="9245600" y="772995"/>
-            <a:ext cx="2935291" cy="2308324"/>
+            <a:ext cx="2526397" cy="2031325"/>
           </a:xfrm>
           <a:prstGeom prst="rect">
             <a:avLst/>
@@ -3871,29 +3972,53 @@
               <a:t> e </a:t>
             </a:r>
             <a:r>
-              <a:rPr lang="en-US" dirty="0" err="1"/>
+              <a:rPr lang="en-US" strike="sngStrike" dirty="0" err="1">
+                <a:highlight>
+                  <a:srgbClr val="00FF00"/>
+                </a:highlight>
+              </a:rPr>
               <a:t>dar</a:t>
             </a:r>
             <a:r>
-              <a:rPr lang="en-US" dirty="0"/>
+              <a:rPr lang="en-US" strike="sngStrike" dirty="0">
+                <a:highlight>
+                  <a:srgbClr val="00FF00"/>
+                </a:highlight>
+              </a:rPr>
               <a:t> </a:t>
             </a:r>
           </a:p>
           <a:p>
             <a:r>
-              <a:rPr lang="en-US" dirty="0" err="1"/>
+              <a:rPr lang="en-US" strike="sngStrike" dirty="0" err="1">
+                <a:highlight>
+                  <a:srgbClr val="00FF00"/>
+                </a:highlight>
+              </a:rPr>
               <a:t>mensagem</a:t>
             </a:r>
             <a:r>
-              <a:rPr lang="en-US" dirty="0"/>
+              <a:rPr lang="en-US" strike="sngStrike" dirty="0">
+                <a:highlight>
+                  <a:srgbClr val="00FF00"/>
+                </a:highlight>
+              </a:rPr>
               <a:t> de </a:t>
             </a:r>
             <a:r>
-              <a:rPr lang="en-US" dirty="0" err="1"/>
+              <a:rPr lang="en-US" strike="sngStrike" dirty="0" err="1">
+                <a:highlight>
+                  <a:srgbClr val="00FF00"/>
+                </a:highlight>
+              </a:rPr>
               <a:t>erro</a:t>
             </a:r>
             <a:r>
-              <a:rPr lang="en-US" dirty="0"/>
+              <a:rPr lang="en-US" strike="sngStrike" dirty="0">
+                <a:highlight>
+                  <a:srgbClr val="00FF00"/>
+                </a:highlight>
+              </a:rPr>
               <a:t>.</a:t>
             </a:r>
           </a:p>
@@ -3904,43 +4029,7 @@
             </a:r>
             <a:r>
               <a:rPr lang="en-US" dirty="0" err="1"/>
-              <a:t>Atualizar</a:t>
-            </a:r>
-            <a:r>
-              <a:rPr lang="en-US" dirty="0"/>
-              <a:t> a </a:t>
-            </a:r>
-            <a:r>
-              <a:rPr lang="en-US" dirty="0" err="1"/>
-              <a:t>lista</a:t>
-            </a:r>
-            <a:r>
-              <a:rPr lang="en-US" dirty="0"/>
-              <a:t> sempre que</a:t>
-            </a:r>
-          </a:p>
-          <a:p>
-            <a:r>
-              <a:rPr lang="en-US" dirty="0" err="1"/>
-              <a:t>salvar</a:t>
-            </a:r>
-            <a:r>
-              <a:rPr lang="en-US" dirty="0"/>
-              <a:t> um novo </a:t>
-            </a:r>
-            <a:r>
-              <a:rPr lang="en-US" dirty="0" err="1"/>
-              <a:t>livro</a:t>
-            </a:r>
-            <a:r>
-              <a:rPr lang="en-US" dirty="0"/>
-              <a:t>,</a:t>
-            </a:r>
-          </a:p>
-          <a:p>
-            <a:r>
-              <a:rPr lang="en-US" dirty="0" err="1"/>
-              <a:t>sem</a:t>
+              <a:t>Colocar</a:t>
             </a:r>
             <a:r>
               <a:rPr lang="en-US" dirty="0"/>
@@ -3948,23 +4037,17 @@
             </a:r>
             <a:r>
               <a:rPr lang="en-US" dirty="0" err="1"/>
-              <a:t>precisar</a:t>
-            </a:r>
-            <a:r>
-              <a:rPr lang="en-US" dirty="0"/>
-              <a:t> </a:t>
-            </a:r>
-            <a:r>
-              <a:rPr lang="en-US" dirty="0" err="1"/>
-              <a:t>reabrir</a:t>
-            </a:r>
-            <a:r>
-              <a:rPr lang="en-US" dirty="0"/>
-              <a:t> a </a:t>
-            </a:r>
-            <a:r>
-              <a:rPr lang="en-US" dirty="0" err="1"/>
-              <a:t>página</a:t>
+              <a:t>comboBox</a:t>
+            </a:r>
+            <a:r>
+              <a:rPr lang="en-US" dirty="0"/>
+              <a:t> para </a:t>
+            </a:r>
+          </a:p>
+          <a:p>
+            <a:r>
+              <a:rPr lang="en-US" dirty="0" err="1"/>
+              <a:t>livros</a:t>
             </a:r>
             <a:endParaRPr lang="en-US" dirty="0"/>
           </a:p>
@@ -4321,32 +4404,60 @@
             </a:r>
             <a:r>
               <a:rPr lang="en-US" dirty="0"/>
-              <a:t> e </a:t>
-            </a:r>
-            <a:r>
-              <a:rPr lang="en-US" dirty="0" err="1"/>
+              <a:t> </a:t>
+            </a:r>
+            <a:r>
+              <a:rPr lang="en-US" strike="sngStrike" dirty="0"/>
+              <a:t>e </a:t>
+            </a:r>
+            <a:r>
+              <a:rPr lang="en-US" strike="sngStrike" dirty="0" err="1">
+                <a:highlight>
+                  <a:srgbClr val="00FF00"/>
+                </a:highlight>
+              </a:rPr>
               <a:t>dar</a:t>
             </a:r>
             <a:r>
-              <a:rPr lang="en-US" dirty="0"/>
+              <a:rPr lang="en-US" strike="sngStrike" dirty="0">
+                <a:highlight>
+                  <a:srgbClr val="00FF00"/>
+                </a:highlight>
+              </a:rPr>
               <a:t> </a:t>
             </a:r>
           </a:p>
           <a:p>
             <a:r>
-              <a:rPr lang="en-US" dirty="0" err="1"/>
+              <a:rPr lang="en-US" strike="sngStrike" dirty="0" err="1">
+                <a:highlight>
+                  <a:srgbClr val="00FF00"/>
+                </a:highlight>
+              </a:rPr>
               <a:t>mensagem</a:t>
             </a:r>
             <a:r>
-              <a:rPr lang="en-US" dirty="0"/>
+              <a:rPr lang="en-US" strike="sngStrike" dirty="0">
+                <a:highlight>
+                  <a:srgbClr val="00FF00"/>
+                </a:highlight>
+              </a:rPr>
               <a:t> de </a:t>
             </a:r>
             <a:r>
-              <a:rPr lang="en-US" dirty="0" err="1"/>
+              <a:rPr lang="en-US" strike="sngStrike" dirty="0" err="1">
+                <a:highlight>
+                  <a:srgbClr val="00FF00"/>
+                </a:highlight>
+              </a:rPr>
               <a:t>erro</a:t>
             </a:r>
             <a:r>
-              <a:rPr lang="en-US" dirty="0"/>
+              <a:rPr lang="en-US" strike="sngStrike" dirty="0">
+                <a:highlight>
+                  <a:srgbClr val="00FF00"/>
+                </a:highlight>
+              </a:rPr>
               <a:t>.</a:t>
             </a:r>
           </a:p>
